--- a/Documentação/Post_Cientifico.pptx
+++ b/Documentação/Post_Cientifico.pptx
@@ -243,7 +243,7 @@
           <a:p>
             <a:fld id="{9010C4FD-9E2D-4F5B-B995-A15615531731}" type="datetimeFigureOut">
               <a:rPr lang="pt-PT" smtClean="0"/>
-              <a:t>04/06/2025</a:t>
+              <a:t>09/06/2025</a:t>
             </a:fld>
             <a:endParaRPr lang="pt-PT"/>
           </a:p>
@@ -413,7 +413,7 @@
           <a:p>
             <a:fld id="{9010C4FD-9E2D-4F5B-B995-A15615531731}" type="datetimeFigureOut">
               <a:rPr lang="pt-PT" smtClean="0"/>
-              <a:t>04/06/2025</a:t>
+              <a:t>09/06/2025</a:t>
             </a:fld>
             <a:endParaRPr lang="pt-PT"/>
           </a:p>
@@ -593,7 +593,7 @@
           <a:p>
             <a:fld id="{9010C4FD-9E2D-4F5B-B995-A15615531731}" type="datetimeFigureOut">
               <a:rPr lang="pt-PT" smtClean="0"/>
-              <a:t>04/06/2025</a:t>
+              <a:t>09/06/2025</a:t>
             </a:fld>
             <a:endParaRPr lang="pt-PT"/>
           </a:p>
@@ -763,7 +763,7 @@
           <a:p>
             <a:fld id="{9010C4FD-9E2D-4F5B-B995-A15615531731}" type="datetimeFigureOut">
               <a:rPr lang="pt-PT" smtClean="0"/>
-              <a:t>04/06/2025</a:t>
+              <a:t>09/06/2025</a:t>
             </a:fld>
             <a:endParaRPr lang="pt-PT"/>
           </a:p>
@@ -1007,7 +1007,7 @@
           <a:p>
             <a:fld id="{9010C4FD-9E2D-4F5B-B995-A15615531731}" type="datetimeFigureOut">
               <a:rPr lang="pt-PT" smtClean="0"/>
-              <a:t>04/06/2025</a:t>
+              <a:t>09/06/2025</a:t>
             </a:fld>
             <a:endParaRPr lang="pt-PT"/>
           </a:p>
@@ -1239,7 +1239,7 @@
           <a:p>
             <a:fld id="{9010C4FD-9E2D-4F5B-B995-A15615531731}" type="datetimeFigureOut">
               <a:rPr lang="pt-PT" smtClean="0"/>
-              <a:t>04/06/2025</a:t>
+              <a:t>09/06/2025</a:t>
             </a:fld>
             <a:endParaRPr lang="pt-PT"/>
           </a:p>
@@ -1606,7 +1606,7 @@
           <a:p>
             <a:fld id="{9010C4FD-9E2D-4F5B-B995-A15615531731}" type="datetimeFigureOut">
               <a:rPr lang="pt-PT" smtClean="0"/>
-              <a:t>04/06/2025</a:t>
+              <a:t>09/06/2025</a:t>
             </a:fld>
             <a:endParaRPr lang="pt-PT"/>
           </a:p>
@@ -1724,7 +1724,7 @@
           <a:p>
             <a:fld id="{9010C4FD-9E2D-4F5B-B995-A15615531731}" type="datetimeFigureOut">
               <a:rPr lang="pt-PT" smtClean="0"/>
-              <a:t>04/06/2025</a:t>
+              <a:t>09/06/2025</a:t>
             </a:fld>
             <a:endParaRPr lang="pt-PT"/>
           </a:p>
@@ -1819,7 +1819,7 @@
           <a:p>
             <a:fld id="{9010C4FD-9E2D-4F5B-B995-A15615531731}" type="datetimeFigureOut">
               <a:rPr lang="pt-PT" smtClean="0"/>
-              <a:t>04/06/2025</a:t>
+              <a:t>09/06/2025</a:t>
             </a:fld>
             <a:endParaRPr lang="pt-PT"/>
           </a:p>
@@ -2096,7 +2096,7 @@
           <a:p>
             <a:fld id="{9010C4FD-9E2D-4F5B-B995-A15615531731}" type="datetimeFigureOut">
               <a:rPr lang="pt-PT" smtClean="0"/>
-              <a:t>04/06/2025</a:t>
+              <a:t>09/06/2025</a:t>
             </a:fld>
             <a:endParaRPr lang="pt-PT"/>
           </a:p>
@@ -2353,7 +2353,7 @@
           <a:p>
             <a:fld id="{9010C4FD-9E2D-4F5B-B995-A15615531731}" type="datetimeFigureOut">
               <a:rPr lang="pt-PT" smtClean="0"/>
-              <a:t>04/06/2025</a:t>
+              <a:t>09/06/2025</a:t>
             </a:fld>
             <a:endParaRPr lang="pt-PT"/>
           </a:p>
@@ -2566,7 +2566,7 @@
           <a:p>
             <a:fld id="{9010C4FD-9E2D-4F5B-B995-A15615531731}" type="datetimeFigureOut">
               <a:rPr lang="pt-PT" smtClean="0"/>
-              <a:t>04/06/2025</a:t>
+              <a:t>09/06/2025</a:t>
             </a:fld>
             <a:endParaRPr lang="pt-PT"/>
           </a:p>
@@ -2993,8 +2993,8 @@
         </p:blipFill>
         <p:spPr>
           <a:xfrm>
-            <a:off x="1527411" y="769058"/>
-            <a:ext cx="6217666" cy="6217666"/>
+            <a:off x="799284" y="117223"/>
+            <a:ext cx="4908373" cy="4908373"/>
           </a:xfrm>
           <a:prstGeom prst="rect">
             <a:avLst/>
@@ -3013,40 +3013,25 @@
         </p:nvSpPr>
         <p:spPr>
           <a:xfrm>
-            <a:off x="2270640" y="2971799"/>
-            <a:ext cx="25733931" cy="2195993"/>
+            <a:off x="5707657" y="2287531"/>
+            <a:ext cx="24567556" cy="1253738"/>
           </a:xfrm>
         </p:spPr>
         <p:txBody>
           <a:bodyPr>
-            <a:normAutofit fontScale="90000"/>
+            <a:normAutofit/>
           </a:bodyPr>
           <a:lstStyle/>
           <a:p>
             <a:r>
-              <a:rPr lang="pt-PT" sz="8000" b="1" dirty="0">
+              <a:rPr lang="pt-PT" sz="6600" b="1" dirty="0">
                 <a:solidFill>
                   <a:schemeClr val="accent2"/>
                 </a:solidFill>
               </a:rPr>
-              <a:t>Sistema multiagente para Simular a </a:t>
-            </a:r>
-            <a:br>
-              <a:rPr lang="pt-PT" sz="8000" b="1" dirty="0">
-                <a:solidFill>
-                  <a:schemeClr val="accent2"/>
-                </a:solidFill>
-              </a:rPr>
-            </a:br>
-            <a:r>
-              <a:rPr lang="pt-PT" sz="8000" b="1" dirty="0">
-                <a:solidFill>
-                  <a:schemeClr val="accent2"/>
-                </a:solidFill>
-              </a:rPr>
-              <a:t>Propagação de incêndios florestais </a:t>
-            </a:r>
-            <a:endParaRPr lang="pt-PT" sz="154700" b="1" dirty="0">
+              <a:t>Sistema multiagente para Simular a Propagação de incêndios florestais </a:t>
+            </a:r>
+            <a:endParaRPr lang="pt-PT" sz="116000" b="1" dirty="0">
               <a:solidFill>
                 <a:schemeClr val="accent2"/>
               </a:solidFill>
@@ -3066,8 +3051,8 @@
         </p:nvSpPr>
         <p:spPr>
           <a:xfrm>
-            <a:off x="3784401" y="1257300"/>
-            <a:ext cx="22706410" cy="1714499"/>
+            <a:off x="5707657" y="324173"/>
+            <a:ext cx="24567556" cy="1714499"/>
           </a:xfrm>
         </p:spPr>
         <p:txBody>
@@ -3129,7 +3114,7 @@
         </p:nvSpPr>
         <p:spPr>
           <a:xfrm>
-            <a:off x="2270639" y="4009315"/>
+            <a:off x="2270639" y="3440581"/>
             <a:ext cx="25733931" cy="2195993"/>
           </a:xfrm>
           <a:prstGeom prst="rect">
@@ -3172,7 +3157,7 @@
         </p:nvSpPr>
         <p:spPr>
           <a:xfrm>
-            <a:off x="10365047" y="40945730"/>
+            <a:off x="5183738" y="41096604"/>
             <a:ext cx="9545114" cy="1323439"/>
           </a:xfrm>
           <a:prstGeom prst="rect">
@@ -3209,8 +3194,8 @@
         </p:nvSpPr>
         <p:spPr>
           <a:xfrm>
-            <a:off x="3784401" y="6986724"/>
-            <a:ext cx="22706410" cy="1714499"/>
+            <a:off x="5707657" y="4253932"/>
+            <a:ext cx="24567556" cy="1714499"/>
           </a:xfrm>
           <a:prstGeom prst="rect">
             <a:avLst/>
@@ -3403,8 +3388,8 @@
         </p:nvSpPr>
         <p:spPr>
           <a:xfrm>
-            <a:off x="1617481" y="9474334"/>
-            <a:ext cx="12344400" cy="17943374"/>
+            <a:off x="697812" y="6986503"/>
+            <a:ext cx="13361399" cy="21390471"/>
           </a:xfrm>
           <a:prstGeom prst="rect">
             <a:avLst/>
@@ -3418,13 +3403,44 @@
           <a:lstStyle/>
           <a:p>
             <a:r>
-              <a:rPr lang="en-US" sz="4000" b="1" dirty="0" err="1">
+              <a:rPr lang="en-US" sz="4800" b="1" dirty="0" err="1">
                 <a:solidFill>
                   <a:schemeClr val="accent2"/>
                 </a:solidFill>
               </a:rPr>
               <a:t>Introdução</a:t>
             </a:r>
+            <a:endParaRPr lang="en-US" sz="4800" b="1" dirty="0">
+              <a:solidFill>
+                <a:schemeClr val="accent2"/>
+              </a:solidFill>
+            </a:endParaRPr>
+          </a:p>
+          <a:p>
+            <a:r>
+              <a:rPr lang="pt-PT" sz="4400" dirty="0"/>
+              <a:t>Os incêndios florestais são uma das principais ameaças ecológicas e socioeconómicas na Península Ibérica. Este trabalho apresenta um simulador multiagente que modela a propagação do fogo em células autónomas do terreno, integrando fatores como carga de combustível, relevo e condições meteorológicas para prever a evolução do incêndio em tempo quase real.</a:t>
+            </a:r>
+          </a:p>
+          <a:p>
+            <a:endParaRPr lang="pt-PT" sz="4000" dirty="0"/>
+          </a:p>
+          <a:p>
+            <a:endParaRPr lang="pt-PT" sz="4000" dirty="0"/>
+          </a:p>
+          <a:p>
+            <a:endParaRPr lang="pt-PT" sz="4000" dirty="0"/>
+          </a:p>
+          <a:p>
+            <a:endParaRPr lang="pt-PT" sz="4000" dirty="0"/>
+          </a:p>
+          <a:p>
+            <a:endParaRPr lang="pt-PT" sz="4000" dirty="0"/>
+          </a:p>
+          <a:p>
+            <a:endParaRPr lang="pt-PT" sz="4000" dirty="0"/>
+          </a:p>
+          <a:p>
             <a:endParaRPr lang="en-US" sz="4000" b="1" dirty="0">
               <a:solidFill>
                 <a:schemeClr val="accent2"/>
@@ -3440,42 +3456,7 @@
           </a:p>
           <a:p>
             <a:r>
-              <a:rPr lang="en-US" sz="4000" b="1" dirty="0">
-                <a:solidFill>
-                  <a:schemeClr val="accent2"/>
-                </a:solidFill>
-              </a:rPr>
-              <a:t>DOIS PARAGRAFOS CURTOS</a:t>
-            </a:r>
-          </a:p>
-          <a:p>
-            <a:r>
-              <a:rPr lang="en-US" sz="4000" dirty="0"/>
-              <a:t>Lorem Ipsum is simply dummy text of the printing and typesetting industry. Lorem Ipsum has been the industry's standard dummy text ever since the 1500s, when an unknown printer took a galley of type and scrambled it to make a type specimen book. It has survived not only five centuries, but also the leap into electronic typesetting, remaining essentially unchanged. It was </a:t>
-            </a:r>
-            <a:r>
-              <a:rPr lang="en-US" sz="4000" dirty="0" err="1"/>
-              <a:t>popularised</a:t>
-            </a:r>
-            <a:r>
-              <a:rPr lang="en-US" sz="4000" dirty="0"/>
-              <a:t> in the 1960s with the release of </a:t>
-            </a:r>
-            <a:r>
-              <a:rPr lang="en-US" sz="4000" dirty="0" err="1"/>
-              <a:t>Letraset</a:t>
-            </a:r>
-            <a:r>
-              <a:rPr lang="en-US" sz="4000" dirty="0"/>
-              <a:t> sheets containing Lorem Ipsum passages, and more recently with desktop publishing software like Aldus PageMaker including versions of Lorem Ipsum.</a:t>
-            </a:r>
-          </a:p>
-          <a:p>
-            <a:endParaRPr lang="en-US" sz="4000" dirty="0"/>
-          </a:p>
-          <a:p>
-            <a:r>
-              <a:rPr lang="en-US" sz="4000" b="1" dirty="0">
+              <a:rPr lang="en-US" sz="4800" b="1" dirty="0">
                 <a:solidFill>
                   <a:schemeClr val="accent2"/>
                 </a:solidFill>
@@ -3483,14 +3464,14 @@
               <a:t>Dados e </a:t>
             </a:r>
             <a:r>
-              <a:rPr lang="en-US" sz="4000" b="1" dirty="0" err="1">
+              <a:rPr lang="en-US" sz="4800" b="1" dirty="0" err="1">
                 <a:solidFill>
                   <a:schemeClr val="accent2"/>
                 </a:solidFill>
               </a:rPr>
               <a:t>Métodos</a:t>
             </a:r>
-            <a:endParaRPr lang="en-US" sz="4000" b="1" dirty="0">
+            <a:endParaRPr lang="en-US" sz="4800" b="1" dirty="0">
               <a:solidFill>
                 <a:schemeClr val="accent2"/>
               </a:solidFill>
@@ -3498,23 +3479,69 @@
           </a:p>
           <a:p>
             <a:r>
-              <a:rPr lang="en-US" sz="4000" dirty="0"/>
-              <a:t>It is a long established fact that a reader will be distracted by the readable content of a page when looking at its layout. The point of using Lorem Ipsum is that it has a more-or-less normal distribution of letters, as opposed to using 'Content here, content here', making it look like readable English. Many desktop publishing packages and web page editors now use Lorem Ipsum as their default model text, and a search for 'lorem ipsum' will uncover many web sites still in their infancy. Various versions have evolved over the years, sometimes by accident, sometimes on purpose (injected </a:t>
-            </a:r>
-            <a:r>
-              <a:rPr lang="en-US" sz="4000" dirty="0" err="1"/>
-              <a:t>humour</a:t>
-            </a:r>
-            <a:r>
-              <a:rPr lang="en-US" sz="4000" dirty="0"/>
-              <a:t> and the like).</a:t>
-            </a:r>
-          </a:p>
-          <a:p>
-            <a:endParaRPr lang="en-US" sz="4000" dirty="0"/>
-          </a:p>
-          <a:p>
-            <a:endParaRPr lang="en-US" sz="4000" dirty="0"/>
+              <a:rPr lang="pt-PT" sz="4400" dirty="0"/>
+              <a:t>Foram usados três conjuntos de dados principais:</a:t>
+            </a:r>
+          </a:p>
+          <a:p>
+            <a:pPr marL="571500" indent="-571500">
+              <a:buFont typeface="Arial" panose="020B0604020202020204" pitchFamily="34" charset="0"/>
+              <a:buChar char="•"/>
+            </a:pPr>
+            <a:r>
+              <a:rPr lang="pt-PT" sz="4400" dirty="0"/>
+              <a:t>Cartografia de uso do solo para classificar o combustível (</a:t>
+            </a:r>
+            <a:r>
+              <a:rPr lang="pt-PT" sz="4400" dirty="0" err="1"/>
+              <a:t>ex</a:t>
+            </a:r>
+            <a:r>
+              <a:rPr lang="pt-PT" sz="4400" dirty="0"/>
+              <a:t>: Corine Land Cover 2018).</a:t>
+            </a:r>
+          </a:p>
+          <a:p>
+            <a:pPr marL="571500" indent="-571500">
+              <a:buFont typeface="Arial" panose="020B0604020202020204" pitchFamily="34" charset="0"/>
+              <a:buChar char="•"/>
+            </a:pPr>
+            <a:r>
+              <a:rPr lang="pt-PT" sz="4400" dirty="0"/>
+              <a:t>Modelo Digital do Terreno para obter declive e exposição.</a:t>
+            </a:r>
+          </a:p>
+          <a:p>
+            <a:pPr marL="571500" indent="-571500">
+              <a:buFont typeface="Arial" panose="020B0604020202020204" pitchFamily="34" charset="0"/>
+              <a:buChar char="•"/>
+            </a:pPr>
+            <a:r>
+              <a:rPr lang="pt-PT" sz="4400" dirty="0"/>
+              <a:t>Perímetros oficiais de incêndios para calibração do simulador.</a:t>
+            </a:r>
+          </a:p>
+          <a:p>
+            <a:r>
+              <a:rPr lang="pt-PT" sz="4400" dirty="0"/>
+              <a:t>O modelo baseia-se numa matriz onde cada célula pode representar uma árvore viva, a arder ou queimada. Cada célula atualiza o seu estado conforme regras estabelecidas e influência dos agentes vizinhos, simulando a propagação do fogo condicionada pelo combustível, pelo declive, pelo vento e pelas </a:t>
+            </a:r>
+            <a:r>
+              <a:rPr lang="pt-PT" sz="4400" dirty="0" err="1"/>
+              <a:t>fagulas</a:t>
+            </a:r>
+            <a:r>
+              <a:rPr lang="pt-PT" sz="4400" dirty="0"/>
+              <a:t>. A simulação é paralelizada com o </a:t>
+            </a:r>
+            <a:r>
+              <a:rPr lang="pt-PT" sz="4400" dirty="0" err="1"/>
+              <a:t>OpenMP</a:t>
+            </a:r>
+            <a:r>
+              <a:rPr lang="pt-PT" sz="4400" dirty="0"/>
+              <a:t> para garantir eficiência computacional.</a:t>
+            </a:r>
           </a:p>
         </p:txBody>
       </p:sp>
@@ -3526,8 +3553,8 @@
         </p:nvSpPr>
         <p:spPr>
           <a:xfrm>
-            <a:off x="16114531" y="9474334"/>
-            <a:ext cx="12344400" cy="10556736"/>
+            <a:off x="14568850" y="6789624"/>
+            <a:ext cx="15394047" cy="32593538"/>
           </a:xfrm>
           <a:prstGeom prst="rect">
             <a:avLst/>
@@ -3540,56 +3567,95 @@
           </a:bodyPr>
           <a:lstStyle/>
           <a:p>
-            <a:r>
-              <a:rPr lang="en-US" sz="4000" b="1" dirty="0" err="1">
+            <a:pPr algn="just"/>
+            <a:r>
+              <a:rPr lang="en-US" sz="4800" b="1" dirty="0" err="1">
                 <a:solidFill>
                   <a:schemeClr val="accent2"/>
                 </a:solidFill>
               </a:rPr>
               <a:t>Resultados</a:t>
             </a:r>
-            <a:endParaRPr lang="en-US" sz="4000" b="1" dirty="0">
+            <a:endParaRPr lang="en-US" sz="4800" b="1" dirty="0">
               <a:solidFill>
                 <a:schemeClr val="accent2"/>
               </a:solidFill>
             </a:endParaRPr>
           </a:p>
           <a:p>
-            <a:r>
-              <a:rPr lang="en-US" sz="4000" dirty="0"/>
-              <a:t>There are many variations of passages of Lorem Ipsum available, but the majority have suffered alteration in some form, by injected </a:t>
-            </a:r>
-            <a:r>
-              <a:rPr lang="en-US" sz="4000" dirty="0" err="1"/>
-              <a:t>humour</a:t>
-            </a:r>
-            <a:r>
-              <a:rPr lang="en-US" sz="4000" dirty="0"/>
-              <a:t>, or </a:t>
-            </a:r>
-            <a:r>
-              <a:rPr lang="en-US" sz="4000" dirty="0" err="1"/>
-              <a:t>randomised</a:t>
-            </a:r>
-            <a:r>
-              <a:rPr lang="en-US" sz="4000" dirty="0"/>
-              <a:t> words which don't look even slightly believable. If you are going to use a passage of Lorem Ipsum, you need to be sure there isn't anything embarrassing hidden in the middle of text. All the Lorem Ipsum generators on the Internet tend to repeat predefined chunks as necessary, making this the first true generator on the Internet. It uses a dictionary of over 200 Latin words, combined with a handful of model sentence structures, to generate Lorem Ipsum which looks reasonable. The generated Lorem Ipsum is therefore always free from repetition, injected </a:t>
-            </a:r>
-            <a:r>
-              <a:rPr lang="en-US" sz="4000" dirty="0" err="1"/>
-              <a:t>humour</a:t>
-            </a:r>
-            <a:r>
-              <a:rPr lang="en-US" sz="4000" dirty="0"/>
-              <a:t>, or non-characteristic words etc.</a:t>
-            </a:r>
-          </a:p>
-          <a:p>
+            <a:pPr algn="just"/>
+            <a:r>
+              <a:rPr lang="pt-PT" sz="4400" dirty="0"/>
+              <a:t>O simulador demonstrou ser eficaz na reprodução da dinâmica da propagação de incêndios florestais. A área florestal queimada decresce rapidamente em condições de vento acima de 4 m/s, estabilizando conforme aumenta a humidade, correspondendo a padrões reais observados em cenários mediterrânicos. Durante as simulações, o modelo também capturou a variação da qualidade do ar, com aumentos proporcionais nos níveis de poluentes como CO e partículas finas (PM2.5 e PM10) à medida que a frente de fogo se intensificava, ilustrando o impacto </a:t>
+            </a:r>
+            <a:r>
+              <a:rPr lang="pt-PT" sz="4000" dirty="0"/>
+              <a:t>ambiental associado.</a:t>
+            </a:r>
+          </a:p>
+          <a:p>
+            <a:pPr algn="just"/>
+            <a:endParaRPr lang="pt-PT" sz="4000" dirty="0"/>
+          </a:p>
+          <a:p>
+            <a:pPr algn="just"/>
+            <a:endParaRPr lang="pt-PT" sz="4000" dirty="0"/>
+          </a:p>
+          <a:p>
+            <a:pPr algn="just"/>
+            <a:endParaRPr lang="pt-PT" sz="4000" dirty="0"/>
+          </a:p>
+          <a:p>
+            <a:pPr algn="just"/>
+            <a:endParaRPr lang="pt-PT" sz="4000" dirty="0"/>
+          </a:p>
+          <a:p>
+            <a:pPr algn="just"/>
+            <a:endParaRPr lang="pt-PT" sz="4000" dirty="0"/>
+          </a:p>
+          <a:p>
+            <a:pPr algn="just"/>
+            <a:endParaRPr lang="pt-PT" sz="4000" dirty="0"/>
+          </a:p>
+          <a:p>
+            <a:pPr algn="just"/>
+            <a:endParaRPr lang="pt-PT" sz="4000" dirty="0"/>
+          </a:p>
+          <a:p>
+            <a:pPr algn="just"/>
+            <a:endParaRPr lang="pt-PT" sz="4000" dirty="0"/>
+          </a:p>
+          <a:p>
+            <a:pPr algn="just"/>
+            <a:endParaRPr lang="pt-PT" sz="4000" dirty="0"/>
+          </a:p>
+          <a:p>
+            <a:pPr algn="just"/>
+            <a:endParaRPr lang="pt-PT" sz="4000" dirty="0"/>
+          </a:p>
+          <a:p>
+            <a:pPr algn="just"/>
+            <a:endParaRPr lang="pt-PT" sz="4000" dirty="0"/>
+          </a:p>
+          <a:p>
+            <a:pPr algn="just"/>
+            <a:endParaRPr lang="pt-PT" sz="4400" dirty="0"/>
+          </a:p>
+          <a:p>
+            <a:pPr algn="just"/>
+            <a:r>
+              <a:rPr lang="pt-PT" sz="4400" dirty="0"/>
+              <a:t>Em termos de precisão, a velocidade e direção da frente de fogo simulada apresentaram diferenças inferiores a 10 % e 20° respetivamente quando comparadas com perímetros oficiais de incêndios entre 2017 e 2024, mostrando a robustez do modelo. A execução paralelizada permitiu simular áreas na ordem dos 2 000 hectares em menos de 15 minutos num computador portátil de oito núcleos, evidenciando a viabilidade para apoio operacional quase em tempo real. Além disso, a interface gráfica forneceu visualizações em tempo real da evolução do fogo e das condições ambientais, facilitando a análise e tomada de decisões.</a:t>
+            </a:r>
+          </a:p>
+          <a:p>
+            <a:pPr algn="just"/>
             <a:endParaRPr lang="en-US" sz="4000" dirty="0"/>
           </a:p>
           <a:p>
-            <a:r>
-              <a:rPr lang="en-US" sz="4000" b="1" dirty="0" err="1">
+            <a:pPr algn="just"/>
+            <a:r>
+              <a:rPr lang="en-US" sz="4800" b="1" dirty="0" err="1">
                 <a:solidFill>
                   <a:schemeClr val="accent2"/>
                 </a:solidFill>
@@ -3597,7 +3663,7 @@
               <a:t>Conclusão</a:t>
             </a:r>
             <a:r>
-              <a:rPr lang="en-US" sz="4000" b="1" dirty="0">
+              <a:rPr lang="en-US" sz="4800" b="1" dirty="0">
                 <a:solidFill>
                   <a:schemeClr val="accent2"/>
                 </a:solidFill>
@@ -3605,7 +3671,7 @@
               <a:t> e </a:t>
             </a:r>
             <a:r>
-              <a:rPr lang="en-US" sz="4000" b="1" dirty="0" err="1">
+              <a:rPr lang="en-US" sz="4800" b="1" dirty="0" err="1">
                 <a:solidFill>
                   <a:schemeClr val="accent2"/>
                 </a:solidFill>
@@ -3613,14 +3679,78 @@
               <a:t>Trabalho</a:t>
             </a:r>
             <a:r>
-              <a:rPr lang="en-US" sz="4000" b="1" dirty="0">
+              <a:rPr lang="en-US" sz="4800" b="1" dirty="0">
                 <a:solidFill>
                   <a:schemeClr val="accent2"/>
                 </a:solidFill>
               </a:rPr>
               <a:t> Futuro</a:t>
             </a:r>
-            <a:endParaRPr lang="pt-PT" sz="4000" b="1" dirty="0">
+          </a:p>
+          <a:p>
+            <a:pPr marL="571500" indent="-571500" algn="just">
+              <a:buFont typeface="Arial" panose="020B0604020202020204" pitchFamily="34" charset="0"/>
+              <a:buChar char="•"/>
+            </a:pPr>
+            <a:r>
+              <a:rPr lang="pt-PT" sz="4400" dirty="0"/>
+              <a:t>O simulador multiagente apresentou resultados consistentes na reprodução da propagação de incêndios florestais, com boa precisão na velocidade e direção da frente de fogo. </a:t>
+            </a:r>
+          </a:p>
+          <a:p>
+            <a:pPr marL="571500" indent="-571500" algn="just">
+              <a:buFont typeface="Arial" panose="020B0604020202020204" pitchFamily="34" charset="0"/>
+              <a:buChar char="•"/>
+            </a:pPr>
+            <a:r>
+              <a:rPr lang="pt-PT" sz="4400" dirty="0"/>
+              <a:t>A ferramenta mostrou-se eficiente para simular grandes áreas em tempo quase real, fornecendo uma interface intuitiva que facilita a monitorização e análise do fogo e seus impactos ambientais. </a:t>
+            </a:r>
+          </a:p>
+          <a:p>
+            <a:pPr marL="571500" indent="-571500" algn="just">
+              <a:buFont typeface="Arial" panose="020B0604020202020204" pitchFamily="34" charset="0"/>
+              <a:buChar char="•"/>
+            </a:pPr>
+            <a:r>
+              <a:rPr lang="pt-PT" sz="4400" dirty="0"/>
+              <a:t>No futuro, </a:t>
+            </a:r>
+            <a:r>
+              <a:rPr lang="pt-PT" sz="4400" dirty="0" err="1"/>
+              <a:t>irá-se</a:t>
+            </a:r>
+            <a:r>
+              <a:rPr lang="pt-PT" sz="4400" dirty="0"/>
+              <a:t> integrar dados meteorológicos em tempo real para aumentar a precisão da simulação, assim como incorporar modelos de humidade do combustível baseados em </a:t>
+            </a:r>
+            <a:r>
+              <a:rPr lang="pt-PT" sz="4400" dirty="0" err="1"/>
+              <a:t>machine</a:t>
+            </a:r>
+            <a:r>
+              <a:rPr lang="pt-PT" sz="4400" dirty="0"/>
+              <a:t> </a:t>
+            </a:r>
+            <a:r>
+              <a:rPr lang="pt-PT" sz="4400" dirty="0" err="1"/>
+              <a:t>learning</a:t>
+            </a:r>
+            <a:r>
+              <a:rPr lang="pt-PT" sz="4400" dirty="0"/>
+              <a:t>. </a:t>
+            </a:r>
+          </a:p>
+          <a:p>
+            <a:pPr marL="571500" indent="-571500" algn="just">
+              <a:buFont typeface="Arial" panose="020B0604020202020204" pitchFamily="34" charset="0"/>
+              <a:buChar char="•"/>
+            </a:pPr>
+            <a:r>
+              <a:rPr lang="pt-PT" sz="4400" dirty="0"/>
+              <a:t>Está também planeada a expansão do sistema para diferentes tipos de vegetação e cenários urbanos-florestais, além do desenvolvimento de módulos que estimem danos económicos e apoiem a decisão estratégica.</a:t>
+            </a:r>
+            <a:endParaRPr lang="pt-PT" sz="4400" b="1" dirty="0">
               <a:solidFill>
                 <a:schemeClr val="accent2"/>
               </a:solidFill>
@@ -3636,7 +3766,7 @@
         </p:nvSpPr>
         <p:spPr>
           <a:xfrm>
-            <a:off x="2453755" y="7984122"/>
+            <a:off x="2404191" y="5497774"/>
             <a:ext cx="27871022" cy="830997"/>
           </a:xfrm>
           <a:prstGeom prst="rect">
@@ -3703,6 +3833,403 @@
           </a:prstGeom>
         </p:spPr>
       </p:pic>
+      <p:pic>
+        <p:nvPicPr>
+          <p:cNvPr id="16" name="Imagem 15" descr="Uma imagem com texto, Gráfico, file, diagrama&#10;&#10;Os conteúdos gerados por IA podem estar incorretos.">
+            <a:extLst>
+              <a:ext uri="{FF2B5EF4-FFF2-40B4-BE49-F238E27FC236}">
+                <a16:creationId xmlns:a16="http://schemas.microsoft.com/office/drawing/2014/main" id="{F03754F4-470F-DCB2-8A00-ACA6011EFEAE}"/>
+              </a:ext>
+            </a:extLst>
+          </p:cNvPr>
+          <p:cNvPicPr>
+            <a:picLocks noChangeAspect="1"/>
+          </p:cNvPicPr>
+          <p:nvPr/>
+        </p:nvPicPr>
+        <p:blipFill>
+          <a:blip r:embed="rId5">
+            <a:extLst>
+              <a:ext uri="{28A0092B-C50C-407E-A947-70E740481C1C}">
+                <a14:useLocalDpi xmlns:a14="http://schemas.microsoft.com/office/drawing/2010/main" val="0"/>
+              </a:ext>
+            </a:extLst>
+          </a:blip>
+          <a:stretch>
+            <a:fillRect/>
+          </a:stretch>
+        </p:blipFill>
+        <p:spPr>
+          <a:xfrm>
+            <a:off x="21157454" y="14463344"/>
+            <a:ext cx="8805443" cy="4382691"/>
+          </a:xfrm>
+          <a:prstGeom prst="rect">
+            <a:avLst/>
+          </a:prstGeom>
+        </p:spPr>
+      </p:pic>
+      <p:pic>
+        <p:nvPicPr>
+          <p:cNvPr id="18" name="Imagem 17" descr="Uma imagem com texto, Gráfico, file, diagrama&#10;&#10;Os conteúdos gerados por IA podem estar incorretos.">
+            <a:extLst>
+              <a:ext uri="{FF2B5EF4-FFF2-40B4-BE49-F238E27FC236}">
+                <a16:creationId xmlns:a16="http://schemas.microsoft.com/office/drawing/2014/main" id="{34F29961-A6CD-9B9D-F9D4-E3BDC54E5DF9}"/>
+              </a:ext>
+            </a:extLst>
+          </p:cNvPr>
+          <p:cNvPicPr>
+            <a:picLocks noChangeAspect="1"/>
+          </p:cNvPicPr>
+          <p:nvPr/>
+        </p:nvPicPr>
+        <p:blipFill>
+          <a:blip r:embed="rId6">
+            <a:extLst>
+              <a:ext uri="{28A0092B-C50C-407E-A947-70E740481C1C}">
+                <a14:useLocalDpi xmlns:a14="http://schemas.microsoft.com/office/drawing/2010/main" val="0"/>
+              </a:ext>
+            </a:extLst>
+          </a:blip>
+          <a:stretch>
+            <a:fillRect/>
+          </a:stretch>
+        </p:blipFill>
+        <p:spPr>
+          <a:xfrm>
+            <a:off x="14015876" y="13755966"/>
+            <a:ext cx="7042541" cy="5090069"/>
+          </a:xfrm>
+          <a:prstGeom prst="rect">
+            <a:avLst/>
+          </a:prstGeom>
+        </p:spPr>
+      </p:pic>
+      <p:pic>
+        <p:nvPicPr>
+          <p:cNvPr id="9" name="Imagem 8" descr="A gravar floresta e árvores">
+            <a:extLst>
+              <a:ext uri="{FF2B5EF4-FFF2-40B4-BE49-F238E27FC236}">
+                <a16:creationId xmlns:a16="http://schemas.microsoft.com/office/drawing/2014/main" id="{D9AB5523-F5E9-C855-4C1C-A678EDDE620B}"/>
+              </a:ext>
+            </a:extLst>
+          </p:cNvPr>
+          <p:cNvPicPr>
+            <a:picLocks noChangeAspect="1"/>
+          </p:cNvPicPr>
+          <p:nvPr/>
+        </p:nvPicPr>
+        <p:blipFill>
+          <a:blip r:embed="rId7" cstate="print">
+            <a:extLst>
+              <a:ext uri="{28A0092B-C50C-407E-A947-70E740481C1C}">
+                <a14:useLocalDpi xmlns:a14="http://schemas.microsoft.com/office/drawing/2010/main" val="0"/>
+              </a:ext>
+            </a:extLst>
+          </a:blip>
+          <a:srcRect b="29415"/>
+          <a:stretch>
+            <a:fillRect/>
+          </a:stretch>
+        </p:blipFill>
+        <p:spPr>
+          <a:xfrm>
+            <a:off x="1132739" y="12921448"/>
+            <a:ext cx="11656029" cy="3741389"/>
+          </a:xfrm>
+          <a:prstGeom prst="rect">
+            <a:avLst/>
+          </a:prstGeom>
+        </p:spPr>
+      </p:pic>
+      <p:pic>
+        <p:nvPicPr>
+          <p:cNvPr id="23" name="Imagem 22">
+            <a:extLst>
+              <a:ext uri="{FF2B5EF4-FFF2-40B4-BE49-F238E27FC236}">
+                <a16:creationId xmlns:a16="http://schemas.microsoft.com/office/drawing/2014/main" id="{D09CD865-5C8B-7084-AC78-CD11CFC3D016}"/>
+              </a:ext>
+            </a:extLst>
+          </p:cNvPr>
+          <p:cNvPicPr>
+            <a:picLocks noChangeAspect="1"/>
+          </p:cNvPicPr>
+          <p:nvPr/>
+        </p:nvPicPr>
+        <p:blipFill>
+          <a:blip r:embed="rId8"/>
+          <a:stretch>
+            <a:fillRect/>
+          </a:stretch>
+        </p:blipFill>
+        <p:spPr>
+          <a:xfrm>
+            <a:off x="1866901" y="28219000"/>
+            <a:ext cx="11315700" cy="6766562"/>
+          </a:xfrm>
+          <a:prstGeom prst="rect">
+            <a:avLst/>
+          </a:prstGeom>
+        </p:spPr>
+      </p:pic>
+      <p:pic>
+        <p:nvPicPr>
+          <p:cNvPr id="27" name="Imagem 26" descr="Uma imagem com texto, captura de ecrã, relógio, círculo&#10;&#10;Os conteúdos gerados por IA podem estar incorretos.">
+            <a:extLst>
+              <a:ext uri="{FF2B5EF4-FFF2-40B4-BE49-F238E27FC236}">
+                <a16:creationId xmlns:a16="http://schemas.microsoft.com/office/drawing/2014/main" id="{4F231B9D-0DEF-5490-2B93-D68347474DD6}"/>
+              </a:ext>
+            </a:extLst>
+          </p:cNvPr>
+          <p:cNvPicPr>
+            <a:picLocks noChangeAspect="1"/>
+          </p:cNvPicPr>
+          <p:nvPr/>
+        </p:nvPicPr>
+        <p:blipFill>
+          <a:blip r:embed="rId9"/>
+          <a:stretch>
+            <a:fillRect/>
+          </a:stretch>
+        </p:blipFill>
+        <p:spPr>
+          <a:xfrm>
+            <a:off x="2270639" y="35808097"/>
+            <a:ext cx="10518129" cy="4191585"/>
+          </a:xfrm>
+          <a:prstGeom prst="rect">
+            <a:avLst/>
+          </a:prstGeom>
+        </p:spPr>
+      </p:pic>
+      <p:sp>
+        <p:nvSpPr>
+          <p:cNvPr id="19" name="CaixaDeTexto 18">
+            <a:extLst>
+              <a:ext uri="{FF2B5EF4-FFF2-40B4-BE49-F238E27FC236}">
+                <a16:creationId xmlns:a16="http://schemas.microsoft.com/office/drawing/2014/main" id="{C80D94C2-8E15-71C3-C531-E89099781F82}"/>
+              </a:ext>
+            </a:extLst>
+          </p:cNvPr>
+          <p:cNvSpPr txBox="1"/>
+          <p:nvPr/>
+        </p:nvSpPr>
+        <p:spPr>
+          <a:xfrm>
+            <a:off x="3253470" y="35113811"/>
+            <a:ext cx="8563616" cy="523220"/>
+          </a:xfrm>
+          <a:prstGeom prst="rect">
+            <a:avLst/>
+          </a:prstGeom>
+          <a:noFill/>
+        </p:spPr>
+        <p:txBody>
+          <a:bodyPr wrap="square" rtlCol="0">
+            <a:spAutoFit/>
+          </a:bodyPr>
+          <a:lstStyle/>
+          <a:p>
+            <a:r>
+              <a:rPr lang="pt-PT" sz="2800" dirty="0"/>
+              <a:t>Figura 1- Simulação da Propagação de Incêndio</a:t>
+            </a:r>
+          </a:p>
+        </p:txBody>
+      </p:sp>
+      <p:sp>
+        <p:nvSpPr>
+          <p:cNvPr id="20" name="CaixaDeTexto 19">
+            <a:extLst>
+              <a:ext uri="{FF2B5EF4-FFF2-40B4-BE49-F238E27FC236}">
+                <a16:creationId xmlns:a16="http://schemas.microsoft.com/office/drawing/2014/main" id="{4049CAA1-B65F-84F2-49F5-8C487C81CC2C}"/>
+              </a:ext>
+            </a:extLst>
+          </p:cNvPr>
+          <p:cNvSpPr txBox="1"/>
+          <p:nvPr/>
+        </p:nvSpPr>
+        <p:spPr>
+          <a:xfrm>
+            <a:off x="3111652" y="40085268"/>
+            <a:ext cx="8563616" cy="584775"/>
+          </a:xfrm>
+          <a:prstGeom prst="rect">
+            <a:avLst/>
+          </a:prstGeom>
+          <a:noFill/>
+        </p:spPr>
+        <p:txBody>
+          <a:bodyPr wrap="square" rtlCol="0">
+            <a:spAutoFit/>
+          </a:bodyPr>
+          <a:lstStyle/>
+          <a:p>
+            <a:r>
+              <a:rPr lang="pt-PT" sz="3200" dirty="0"/>
+              <a:t>Figura 2 - Demonstração de valores na interface</a:t>
+            </a:r>
+          </a:p>
+        </p:txBody>
+      </p:sp>
+      <p:cxnSp>
+        <p:nvCxnSpPr>
+          <p:cNvPr id="32" name="Conexão: Ângulo Reto 31">
+            <a:extLst>
+              <a:ext uri="{FF2B5EF4-FFF2-40B4-BE49-F238E27FC236}">
+                <a16:creationId xmlns:a16="http://schemas.microsoft.com/office/drawing/2014/main" id="{A8A32337-6B2F-C47A-BA54-9B1DCF4D7521}"/>
+              </a:ext>
+            </a:extLst>
+          </p:cNvPr>
+          <p:cNvCxnSpPr>
+            <a:cxnSpLocks/>
+          </p:cNvCxnSpPr>
+          <p:nvPr/>
+        </p:nvCxnSpPr>
+        <p:spPr>
+          <a:xfrm rot="10800000">
+            <a:off x="19866648" y="15258563"/>
+            <a:ext cx="457200" cy="441663"/>
+          </a:xfrm>
+          <a:prstGeom prst="bentConnector3">
+            <a:avLst>
+              <a:gd name="adj1" fmla="val -5556"/>
+            </a:avLst>
+          </a:prstGeom>
+          <a:ln>
+            <a:tailEnd type="triangle"/>
+          </a:ln>
+        </p:spPr>
+        <p:style>
+          <a:lnRef idx="3">
+            <a:schemeClr val="dk1"/>
+          </a:lnRef>
+          <a:fillRef idx="0">
+            <a:schemeClr val="dk1"/>
+          </a:fillRef>
+          <a:effectRef idx="2">
+            <a:schemeClr val="dk1"/>
+          </a:effectRef>
+          <a:fontRef idx="minor">
+            <a:schemeClr val="tx1"/>
+          </a:fontRef>
+        </p:style>
+      </p:cxnSp>
+      <p:cxnSp>
+        <p:nvCxnSpPr>
+          <p:cNvPr id="36" name="Conexão: Ângulo Reto 35">
+            <a:extLst>
+              <a:ext uri="{FF2B5EF4-FFF2-40B4-BE49-F238E27FC236}">
+                <a16:creationId xmlns:a16="http://schemas.microsoft.com/office/drawing/2014/main" id="{4E0D54D4-1476-DF37-A523-6D56292465C0}"/>
+              </a:ext>
+            </a:extLst>
+          </p:cNvPr>
+          <p:cNvCxnSpPr>
+            <a:cxnSpLocks/>
+          </p:cNvCxnSpPr>
+          <p:nvPr/>
+        </p:nvCxnSpPr>
+        <p:spPr>
+          <a:xfrm rot="10800000">
+            <a:off x="27775970" y="15479395"/>
+            <a:ext cx="457200" cy="441663"/>
+          </a:xfrm>
+          <a:prstGeom prst="bentConnector3">
+            <a:avLst>
+              <a:gd name="adj1" fmla="val -5556"/>
+            </a:avLst>
+          </a:prstGeom>
+          <a:ln>
+            <a:tailEnd type="triangle"/>
+          </a:ln>
+        </p:spPr>
+        <p:style>
+          <a:lnRef idx="3">
+            <a:schemeClr val="dk1"/>
+          </a:lnRef>
+          <a:fillRef idx="0">
+            <a:schemeClr val="dk1"/>
+          </a:fillRef>
+          <a:effectRef idx="2">
+            <a:schemeClr val="dk1"/>
+          </a:effectRef>
+          <a:fontRef idx="minor">
+            <a:schemeClr val="tx1"/>
+          </a:fontRef>
+        </p:style>
+      </p:cxnSp>
+      <p:sp>
+        <p:nvSpPr>
+          <p:cNvPr id="38" name="CaixaDeTexto 37">
+            <a:extLst>
+              <a:ext uri="{FF2B5EF4-FFF2-40B4-BE49-F238E27FC236}">
+                <a16:creationId xmlns:a16="http://schemas.microsoft.com/office/drawing/2014/main" id="{EAEBECAF-C371-D548-B2EF-06EFE9BD29DA}"/>
+              </a:ext>
+            </a:extLst>
+          </p:cNvPr>
+          <p:cNvSpPr txBox="1"/>
+          <p:nvPr/>
+        </p:nvSpPr>
+        <p:spPr>
+          <a:xfrm>
+            <a:off x="21726395" y="18935409"/>
+            <a:ext cx="8236502" cy="954107"/>
+          </a:xfrm>
+          <a:prstGeom prst="rect">
+            <a:avLst/>
+          </a:prstGeom>
+          <a:noFill/>
+        </p:spPr>
+        <p:txBody>
+          <a:bodyPr wrap="square" rtlCol="0">
+            <a:spAutoFit/>
+          </a:bodyPr>
+          <a:lstStyle/>
+          <a:p>
+            <a:pPr algn="just"/>
+            <a:r>
+              <a:rPr lang="pt-PT" sz="2800" dirty="0"/>
+              <a:t>Figura 4 – Gráfico exemplo de variação da temperatura, humidade e probabilidade de precipitação</a:t>
+            </a:r>
+          </a:p>
+        </p:txBody>
+      </p:sp>
+      <p:sp>
+        <p:nvSpPr>
+          <p:cNvPr id="39" name="CaixaDeTexto 38">
+            <a:extLst>
+              <a:ext uri="{FF2B5EF4-FFF2-40B4-BE49-F238E27FC236}">
+                <a16:creationId xmlns:a16="http://schemas.microsoft.com/office/drawing/2014/main" id="{9B0A0B62-1DD4-8704-03DD-3BB99FA974DF}"/>
+              </a:ext>
+            </a:extLst>
+          </p:cNvPr>
+          <p:cNvSpPr txBox="1"/>
+          <p:nvPr/>
+        </p:nvSpPr>
+        <p:spPr>
+          <a:xfrm>
+            <a:off x="14764261" y="18935409"/>
+            <a:ext cx="5029810" cy="954107"/>
+          </a:xfrm>
+          <a:prstGeom prst="rect">
+            <a:avLst/>
+          </a:prstGeom>
+          <a:noFill/>
+        </p:spPr>
+        <p:txBody>
+          <a:bodyPr wrap="square" rtlCol="0">
+            <a:spAutoFit/>
+          </a:bodyPr>
+          <a:lstStyle/>
+          <a:p>
+            <a:pPr algn="just"/>
+            <a:r>
+              <a:rPr lang="pt-PT" sz="2800" dirty="0"/>
+              <a:t>Figura 3 – Gráfico exemplo de variação do ar</a:t>
+            </a:r>
+          </a:p>
+        </p:txBody>
+      </p:sp>
     </p:spTree>
     <p:extLst>
       <p:ext uri="{BB962C8B-B14F-4D97-AF65-F5344CB8AC3E}">

--- a/Documentação/Post_Cientifico.pptx
+++ b/Documentação/Post_Cientifico.pptx
@@ -243,7 +243,7 @@
           <a:p>
             <a:fld id="{9010C4FD-9E2D-4F5B-B995-A15615531731}" type="datetimeFigureOut">
               <a:rPr lang="pt-PT" smtClean="0"/>
-              <a:t>09/06/2025</a:t>
+              <a:t>11/06/2025</a:t>
             </a:fld>
             <a:endParaRPr lang="pt-PT"/>
           </a:p>
@@ -413,7 +413,7 @@
           <a:p>
             <a:fld id="{9010C4FD-9E2D-4F5B-B995-A15615531731}" type="datetimeFigureOut">
               <a:rPr lang="pt-PT" smtClean="0"/>
-              <a:t>09/06/2025</a:t>
+              <a:t>11/06/2025</a:t>
             </a:fld>
             <a:endParaRPr lang="pt-PT"/>
           </a:p>
@@ -593,7 +593,7 @@
           <a:p>
             <a:fld id="{9010C4FD-9E2D-4F5B-B995-A15615531731}" type="datetimeFigureOut">
               <a:rPr lang="pt-PT" smtClean="0"/>
-              <a:t>09/06/2025</a:t>
+              <a:t>11/06/2025</a:t>
             </a:fld>
             <a:endParaRPr lang="pt-PT"/>
           </a:p>
@@ -763,7 +763,7 @@
           <a:p>
             <a:fld id="{9010C4FD-9E2D-4F5B-B995-A15615531731}" type="datetimeFigureOut">
               <a:rPr lang="pt-PT" smtClean="0"/>
-              <a:t>09/06/2025</a:t>
+              <a:t>11/06/2025</a:t>
             </a:fld>
             <a:endParaRPr lang="pt-PT"/>
           </a:p>
@@ -1007,7 +1007,7 @@
           <a:p>
             <a:fld id="{9010C4FD-9E2D-4F5B-B995-A15615531731}" type="datetimeFigureOut">
               <a:rPr lang="pt-PT" smtClean="0"/>
-              <a:t>09/06/2025</a:t>
+              <a:t>11/06/2025</a:t>
             </a:fld>
             <a:endParaRPr lang="pt-PT"/>
           </a:p>
@@ -1239,7 +1239,7 @@
           <a:p>
             <a:fld id="{9010C4FD-9E2D-4F5B-B995-A15615531731}" type="datetimeFigureOut">
               <a:rPr lang="pt-PT" smtClean="0"/>
-              <a:t>09/06/2025</a:t>
+              <a:t>11/06/2025</a:t>
             </a:fld>
             <a:endParaRPr lang="pt-PT"/>
           </a:p>
@@ -1606,7 +1606,7 @@
           <a:p>
             <a:fld id="{9010C4FD-9E2D-4F5B-B995-A15615531731}" type="datetimeFigureOut">
               <a:rPr lang="pt-PT" smtClean="0"/>
-              <a:t>09/06/2025</a:t>
+              <a:t>11/06/2025</a:t>
             </a:fld>
             <a:endParaRPr lang="pt-PT"/>
           </a:p>
@@ -1724,7 +1724,7 @@
           <a:p>
             <a:fld id="{9010C4FD-9E2D-4F5B-B995-A15615531731}" type="datetimeFigureOut">
               <a:rPr lang="pt-PT" smtClean="0"/>
-              <a:t>09/06/2025</a:t>
+              <a:t>11/06/2025</a:t>
             </a:fld>
             <a:endParaRPr lang="pt-PT"/>
           </a:p>
@@ -1819,7 +1819,7 @@
           <a:p>
             <a:fld id="{9010C4FD-9E2D-4F5B-B995-A15615531731}" type="datetimeFigureOut">
               <a:rPr lang="pt-PT" smtClean="0"/>
-              <a:t>09/06/2025</a:t>
+              <a:t>11/06/2025</a:t>
             </a:fld>
             <a:endParaRPr lang="pt-PT"/>
           </a:p>
@@ -2096,7 +2096,7 @@
           <a:p>
             <a:fld id="{9010C4FD-9E2D-4F5B-B995-A15615531731}" type="datetimeFigureOut">
               <a:rPr lang="pt-PT" smtClean="0"/>
-              <a:t>09/06/2025</a:t>
+              <a:t>11/06/2025</a:t>
             </a:fld>
             <a:endParaRPr lang="pt-PT"/>
           </a:p>
@@ -2353,7 +2353,7 @@
           <a:p>
             <a:fld id="{9010C4FD-9E2D-4F5B-B995-A15615531731}" type="datetimeFigureOut">
               <a:rPr lang="pt-PT" smtClean="0"/>
-              <a:t>09/06/2025</a:t>
+              <a:t>11/06/2025</a:t>
             </a:fld>
             <a:endParaRPr lang="pt-PT"/>
           </a:p>
@@ -2566,7 +2566,7 @@
           <a:p>
             <a:fld id="{9010C4FD-9E2D-4F5B-B995-A15615531731}" type="datetimeFigureOut">
               <a:rPr lang="pt-PT" smtClean="0"/>
-              <a:t>09/06/2025</a:t>
+              <a:t>11/06/2025</a:t>
             </a:fld>
             <a:endParaRPr lang="pt-PT"/>
           </a:p>
@@ -3524,15 +3524,7 @@
           <a:p>
             <a:r>
               <a:rPr lang="pt-PT" sz="4400" dirty="0"/>
-              <a:t>O modelo baseia-se numa matriz onde cada célula pode representar uma árvore viva, a arder ou queimada. Cada célula atualiza o seu estado conforme regras estabelecidas e influência dos agentes vizinhos, simulando a propagação do fogo condicionada pelo combustível, pelo declive, pelo vento e pelas </a:t>
-            </a:r>
-            <a:r>
-              <a:rPr lang="pt-PT" sz="4400" dirty="0" err="1"/>
-              <a:t>fagulas</a:t>
-            </a:r>
-            <a:r>
-              <a:rPr lang="pt-PT" sz="4400" dirty="0"/>
-              <a:t>. A simulação é paralelizada com o </a:t>
+              <a:t>O modelo baseia-se numa matriz onde cada célula pode representar uma árvore viva, a arder ou queimada. Cada célula atualiza o seu estado conforme regras estabelecidas e influência dos agentes vizinhos, simulando a propagação do fogo condicionada pelo combustível, pelo declive, pelo vento e pelas fagulhas. A simulação é paralelizada com o </a:t>
             </a:r>
             <a:r>
               <a:rPr lang="pt-PT" sz="4400" dirty="0" err="1"/>
@@ -3586,11 +3578,7 @@
             <a:pPr algn="just"/>
             <a:r>
               <a:rPr lang="pt-PT" sz="4400" dirty="0"/>
-              <a:t>O simulador demonstrou ser eficaz na reprodução da dinâmica da propagação de incêndios florestais. A área florestal queimada decresce rapidamente em condições de vento acima de 4 m/s, estabilizando conforme aumenta a humidade, correspondendo a padrões reais observados em cenários mediterrânicos. Durante as simulações, o modelo também capturou a variação da qualidade do ar, com aumentos proporcionais nos níveis de poluentes como CO e partículas finas (PM2.5 e PM10) à medida que a frente de fogo se intensificava, ilustrando o impacto </a:t>
-            </a:r>
-            <a:r>
-              <a:rPr lang="pt-PT" sz="4000" dirty="0"/>
-              <a:t>ambiental associado.</a:t>
+              <a:t>O simulador demonstrou ser eficaz na reprodução da dinâmica da propagação de incêndios florestais. A área florestal queimada decresce rapidamente em condições de vento acima de 4 m/s, estabilizando conforme aumenta a humidade, correspondendo a padrões reais observados em cenários mediterrânicos. Durante as simulações, o modelo também capturou a variação da qualidade do ar, com aumentos proporcionais nos níveis de poluentes como CO e partículas finas (PM2.5 e PM10) à medida que a frente de fogo se intensificava, ilustrando o impacto ambiental associado.</a:t>
             </a:r>
           </a:p>
           <a:p>
@@ -3714,15 +3702,15 @@
             </a:pPr>
             <a:r>
               <a:rPr lang="pt-PT" sz="4400" dirty="0"/>
-              <a:t>No futuro, </a:t>
-            </a:r>
-            <a:r>
-              <a:rPr lang="pt-PT" sz="4400" dirty="0" err="1"/>
-              <a:t>irá-se</a:t>
+              <a:t>No futuro, irá </a:t>
+            </a:r>
+            <a:r>
+              <a:rPr lang="pt-PT" sz="4400"/>
+              <a:t>ser integrado </a:t>
             </a:r>
             <a:r>
               <a:rPr lang="pt-PT" sz="4400" dirty="0"/>
-              <a:t> integrar dados meteorológicos em tempo real para aumentar a precisão da simulação, assim como incorporar modelos de humidade do combustível baseados em </a:t>
+              <a:t>dados meteorológicos em tempo real para aumentar a precisão da simulação, assim como incorporar modelos de humidade do combustível baseados em </a:t>
             </a:r>
             <a:r>
               <a:rPr lang="pt-PT" sz="4400" dirty="0" err="1"/>
